--- a/project1/CC Pitch Fiore_Haider.pptx
+++ b/project1/CC Pitch Fiore_Haider.pptx
@@ -4270,7 +4270,7 @@
             </a:pPr>
             <a:r>
               <a:rPr lang="en-US" sz="2200" dirty="0"/>
-              <a:t>11 categorical variables</a:t>
+              <a:t>179 numerical variables</a:t>
             </a:r>
           </a:p>
           <a:p>
@@ -4280,7 +4280,7 @@
             </a:pPr>
             <a:r>
               <a:rPr lang="en-US" sz="2200" dirty="0"/>
-              <a:t>179 numerical variables</a:t>
+              <a:t>11 categorical variables</a:t>
             </a:r>
           </a:p>
           <a:p>
@@ -4894,15 +4894,7 @@
             </a:r>
             <a:r>
               <a:rPr lang="en-US" sz="2100" dirty="0"/>
-              <a:t> and Random Forest, with a target of 85% </a:t>
-            </a:r>
-            <a:r>
-              <a:rPr lang="en-US" sz="2100"/>
-              <a:t>on the test </a:t>
-            </a:r>
-            <a:r>
-              <a:rPr lang="en-US" sz="2100" dirty="0"/>
-              <a:t>data.</a:t>
+              <a:t> and Random Forest, with a target of 85% on the test data.</a:t>
             </a:r>
           </a:p>
         </p:txBody>
